--- a/2019系统仿真-14-二阶系统并联.pptx
+++ b/2019系统仿真-14-二阶系统并联.pptx
@@ -8364,7 +8364,7 @@
             </a:r>
             <a:r>
               <a:rPr lang="en-US" altLang="zh-CN" dirty="0"/>
-              <a:t>3</a:t>
+              <a:t>2</a:t>
             </a:r>
             <a:r>
               <a:rPr lang="zh-CN" altLang="en-US" dirty="0"/>
@@ -8985,7 +8985,7 @@
             </a:r>
             <a:r>
               <a:rPr lang="en-US" altLang="zh-CN" dirty="0"/>
-              <a:t>4</a:t>
+              <a:t>3</a:t>
             </a:r>
             <a:r>
               <a:rPr lang="zh-CN" altLang="en-US" dirty="0"/>
@@ -11560,23 +11560,29 @@
 
 <file path=customXml/item1.xml><?xml version="1.0" encoding="utf-8"?>
 <Control xmlns="http://schemas.microsoft.com/VisualStudio/2011/storyboarding/control">
-  <Id Name="5e505f8e-b0aa-429a-bb4c-92ab0e8a8ee6" RevisionId="d2083f08-ba4f-4330-87aa-e4d23a4443d7" Stencil="172d6d98-e5c9-42e9-a209-79f7a94bbd38" StencilRevisionId="00000000-0000-0000-0000-000000000000" StencilVersion="0.0"/>
+  <Id Name="System.Storyboarding.Common.DragSelection" Revision="1" Stencil="System.Storyboarding.Common" StencilVersion="0.1"/>
 </Control>
 </file>
 
 <file path=customXml/item2.xml><?xml version="1.0" encoding="utf-8"?>
 <Control xmlns="http://schemas.microsoft.com/VisualStudio/2011/storyboarding/control">
-  <Id Name="System.Storyboarding.Common.DragSelection" Revision="1" Stencil="System.Storyboarding.Common" StencilVersion="0.1"/>
+  <Id Name="5e505f8e-b0aa-429a-bb4c-92ab0e8a8ee6" RevisionId="d2083f08-ba4f-4330-87aa-e4d23a4443d7" Stencil="172d6d98-e5c9-42e9-a209-79f7a94bbd38" StencilRevisionId="00000000-0000-0000-0000-000000000000" StencilVersion="0.0"/>
 </Control>
 </file>
 
 <file path=customXml/item3.xml><?xml version="1.0" encoding="utf-8"?>
 <Control xmlns="http://schemas.microsoft.com/VisualStudio/2011/storyboarding/control">
-  <Id Name="System.Storyboarding.Annotation.StickyNote" Revision="1" Stencil="System.Storyboarding.Annotation" StencilVersion="0.1"/>
+  <Id Name="System.Storyboarding.WindowsApps.WindowsAppsProgressRing" Revision="1" Stencil="System.Storyboarding.WindowsApps" StencilVersion="0.1"/>
 </Control>
 </file>
 
 <file path=customXml/item4.xml><?xml version="1.0" encoding="utf-8"?>
+<Control xmlns="http://schemas.microsoft.com/VisualStudio/2011/storyboarding/control">
+  <Id Name="System.Storyboarding.WindowsApps.WindowsAppsListBox" Revision="1" Stencil="System.Storyboarding.WindowsApps" StencilVersion="0.1"/>
+</Control>
+</file>
+
+<file path=customXml/item5.xml><?xml version="1.0" encoding="utf-8"?>
 <p:properties xmlns:p="http://schemas.microsoft.com/office/2006/metadata/properties" xmlns:xsi="http://www.w3.org/2001/XMLSchema-instance" xmlns:pc="http://schemas.microsoft.com/office/infopath/2007/PartnerControls">
   <documentManagement>
     <_dlc_DocId xmlns="b4ebf394-daf6-497a-96c5-a2f8c10b38cf">TT6HZDVJM2HV-178-321</_dlc_DocId>
@@ -11588,15 +11594,9 @@
 </p:properties>
 </file>
 
-<file path=customXml/item5.xml><?xml version="1.0" encoding="utf-8"?>
-<Control xmlns="http://schemas.microsoft.com/VisualStudio/2011/storyboarding/control">
-  <Id Name="System.Storyboarding.WindowsApps.WindowsAppsListBox" Revision="1" Stencil="System.Storyboarding.WindowsApps" StencilVersion="0.1"/>
-</Control>
-</file>
-
 <file path=customXml/item6.xml><?xml version="1.0" encoding="utf-8"?>
 <Control xmlns="http://schemas.microsoft.com/VisualStudio/2011/storyboarding/control">
-  <Id Name="System.Storyboarding.WindowsApps.WindowsAppsProgressRing" Revision="1" Stencil="System.Storyboarding.WindowsApps" StencilVersion="0.1"/>
+  <Id Name="System.Storyboarding.Annotation.StickyNote" Revision="1" Stencil="System.Storyboarding.Annotation" StencilVersion="0.1"/>
 </Control>
 </file>
 
@@ -11607,6 +11607,14 @@
 </file>
 
 <file path=customXml/itemProps1.xml><?xml version="1.0" encoding="utf-8"?>
+<ds:datastoreItem xmlns:ds="http://schemas.openxmlformats.org/officeDocument/2006/customXml" ds:itemID="{74F50758-6994-47AF-ADB4-84074E43B95D}">
+  <ds:schemaRefs>
+    <ds:schemaRef ds:uri="http://schemas.microsoft.com/VisualStudio/2011/storyboarding/control"/>
+  </ds:schemaRefs>
+</ds:datastoreItem>
+</file>
+
+<file path=customXml/itemProps2.xml><?xml version="1.0" encoding="utf-8"?>
 <ds:datastoreItem xmlns:ds="http://schemas.openxmlformats.org/officeDocument/2006/customXml" ds:itemID="{22271091-DDCE-44B5-B608-BB96BCA0C299}">
   <ds:schemaRefs>
     <ds:schemaRef ds:uri="http://schemas.microsoft.com/VisualStudio/2011/storyboarding/control"/>
@@ -11614,16 +11622,8 @@
 </ds:datastoreItem>
 </file>
 
-<file path=customXml/itemProps2.xml><?xml version="1.0" encoding="utf-8"?>
-<ds:datastoreItem xmlns:ds="http://schemas.openxmlformats.org/officeDocument/2006/customXml" ds:itemID="{74F50758-6994-47AF-ADB4-84074E43B95D}">
-  <ds:schemaRefs>
-    <ds:schemaRef ds:uri="http://schemas.microsoft.com/VisualStudio/2011/storyboarding/control"/>
-  </ds:schemaRefs>
-</ds:datastoreItem>
-</file>
-
 <file path=customXml/itemProps3.xml><?xml version="1.0" encoding="utf-8"?>
-<ds:datastoreItem xmlns:ds="http://schemas.openxmlformats.org/officeDocument/2006/customXml" ds:itemID="{35CD12A2-2187-402A-B9D9-EF68624DB0B9}">
+<ds:datastoreItem xmlns:ds="http://schemas.openxmlformats.org/officeDocument/2006/customXml" ds:itemID="{EE994FE8-9D1B-4C75-9803-F4D3D8088B5B}">
   <ds:schemaRefs>
     <ds:schemaRef ds:uri="http://schemas.microsoft.com/VisualStudio/2011/storyboarding/control"/>
   </ds:schemaRefs>
@@ -11631,6 +11631,14 @@
 </file>
 
 <file path=customXml/itemProps4.xml><?xml version="1.0" encoding="utf-8"?>
+<ds:datastoreItem xmlns:ds="http://schemas.openxmlformats.org/officeDocument/2006/customXml" ds:itemID="{925928FA-66B2-4992-9AF7-6AAB34665E06}">
+  <ds:schemaRefs>
+    <ds:schemaRef ds:uri="http://schemas.microsoft.com/VisualStudio/2011/storyboarding/control"/>
+  </ds:schemaRefs>
+</ds:datastoreItem>
+</file>
+
+<file path=customXml/itemProps5.xml><?xml version="1.0" encoding="utf-8"?>
 <ds:datastoreItem xmlns:ds="http://schemas.openxmlformats.org/officeDocument/2006/customXml" ds:itemID="{1322E1B6-B69B-4B1E-9F64-FFB1E4A65691}">
   <ds:schemaRefs>
     <ds:schemaRef ds:uri="http://schemas.microsoft.com/office/2006/metadata/properties"/>
@@ -11640,16 +11648,8 @@
 </ds:datastoreItem>
 </file>
 
-<file path=customXml/itemProps5.xml><?xml version="1.0" encoding="utf-8"?>
-<ds:datastoreItem xmlns:ds="http://schemas.openxmlformats.org/officeDocument/2006/customXml" ds:itemID="{925928FA-66B2-4992-9AF7-6AAB34665E06}">
-  <ds:schemaRefs>
-    <ds:schemaRef ds:uri="http://schemas.microsoft.com/VisualStudio/2011/storyboarding/control"/>
-  </ds:schemaRefs>
-</ds:datastoreItem>
-</file>
-
 <file path=customXml/itemProps6.xml><?xml version="1.0" encoding="utf-8"?>
-<ds:datastoreItem xmlns:ds="http://schemas.openxmlformats.org/officeDocument/2006/customXml" ds:itemID="{EE994FE8-9D1B-4C75-9803-F4D3D8088B5B}">
+<ds:datastoreItem xmlns:ds="http://schemas.openxmlformats.org/officeDocument/2006/customXml" ds:itemID="{35CD12A2-2187-402A-B9D9-EF68624DB0B9}">
   <ds:schemaRefs>
     <ds:schemaRef ds:uri="http://schemas.microsoft.com/VisualStudio/2011/storyboarding/control"/>
   </ds:schemaRefs>
